--- a/Class/Slides/02_PCBs.pptx
+++ b/Class/Slides/02_PCBs.pptx
@@ -206,7 +206,7 @@
           <a:p>
             <a:fld id="{73481BDF-C5F6-3C42-A83C-380B3D3A0460}" type="datetimeFigureOut">
               <a:rPr lang="en-US" smtClean="0"/>
-              <a:t>10/12/14</a:t>
+              <a:t>10/14/14</a:t>
             </a:fld>
             <a:endParaRPr lang="en-US"/>
           </a:p>
@@ -739,7 +739,7 @@
           <a:p>
             <a:fld id="{0675A308-8787-9B42-956E-CA40C2F0F6AE}" type="datetimeFigureOut">
               <a:rPr lang="en-US" smtClean="0"/>
-              <a:t>10/10/14</a:t>
+              <a:t>10/14/14</a:t>
             </a:fld>
             <a:endParaRPr lang="en-US"/>
           </a:p>
@@ -909,7 +909,7 @@
           <a:p>
             <a:fld id="{0675A308-8787-9B42-956E-CA40C2F0F6AE}" type="datetimeFigureOut">
               <a:rPr lang="en-US" smtClean="0"/>
-              <a:t>10/10/14</a:t>
+              <a:t>10/14/14</a:t>
             </a:fld>
             <a:endParaRPr lang="en-US"/>
           </a:p>
@@ -1089,7 +1089,7 @@
           <a:p>
             <a:fld id="{0675A308-8787-9B42-956E-CA40C2F0F6AE}" type="datetimeFigureOut">
               <a:rPr lang="en-US" smtClean="0"/>
-              <a:t>10/10/14</a:t>
+              <a:t>10/14/14</a:t>
             </a:fld>
             <a:endParaRPr lang="en-US"/>
           </a:p>
@@ -1259,7 +1259,7 @@
           <a:p>
             <a:fld id="{0675A308-8787-9B42-956E-CA40C2F0F6AE}" type="datetimeFigureOut">
               <a:rPr lang="en-US" smtClean="0"/>
-              <a:t>10/10/14</a:t>
+              <a:t>10/14/14</a:t>
             </a:fld>
             <a:endParaRPr lang="en-US"/>
           </a:p>
@@ -1505,7 +1505,7 @@
           <a:p>
             <a:fld id="{0675A308-8787-9B42-956E-CA40C2F0F6AE}" type="datetimeFigureOut">
               <a:rPr lang="en-US" smtClean="0"/>
-              <a:t>10/10/14</a:t>
+              <a:t>10/14/14</a:t>
             </a:fld>
             <a:endParaRPr lang="en-US"/>
           </a:p>
@@ -1793,7 +1793,7 @@
           <a:p>
             <a:fld id="{0675A308-8787-9B42-956E-CA40C2F0F6AE}" type="datetimeFigureOut">
               <a:rPr lang="en-US" smtClean="0"/>
-              <a:t>10/10/14</a:t>
+              <a:t>10/14/14</a:t>
             </a:fld>
             <a:endParaRPr lang="en-US"/>
           </a:p>
@@ -2215,7 +2215,7 @@
           <a:p>
             <a:fld id="{0675A308-8787-9B42-956E-CA40C2F0F6AE}" type="datetimeFigureOut">
               <a:rPr lang="en-US" smtClean="0"/>
-              <a:t>10/10/14</a:t>
+              <a:t>10/14/14</a:t>
             </a:fld>
             <a:endParaRPr lang="en-US"/>
           </a:p>
@@ -2333,7 +2333,7 @@
           <a:p>
             <a:fld id="{0675A308-8787-9B42-956E-CA40C2F0F6AE}" type="datetimeFigureOut">
               <a:rPr lang="en-US" smtClean="0"/>
-              <a:t>10/10/14</a:t>
+              <a:t>10/14/14</a:t>
             </a:fld>
             <a:endParaRPr lang="en-US"/>
           </a:p>
@@ -2428,7 +2428,7 @@
           <a:p>
             <a:fld id="{0675A308-8787-9B42-956E-CA40C2F0F6AE}" type="datetimeFigureOut">
               <a:rPr lang="en-US" smtClean="0"/>
-              <a:t>10/10/14</a:t>
+              <a:t>10/14/14</a:t>
             </a:fld>
             <a:endParaRPr lang="en-US"/>
           </a:p>
@@ -2705,7 +2705,7 @@
           <a:p>
             <a:fld id="{0675A308-8787-9B42-956E-CA40C2F0F6AE}" type="datetimeFigureOut">
               <a:rPr lang="en-US" smtClean="0"/>
-              <a:t>10/10/14</a:t>
+              <a:t>10/14/14</a:t>
             </a:fld>
             <a:endParaRPr lang="en-US"/>
           </a:p>
@@ -2958,7 +2958,7 @@
           <a:p>
             <a:fld id="{0675A308-8787-9B42-956E-CA40C2F0F6AE}" type="datetimeFigureOut">
               <a:rPr lang="en-US" smtClean="0"/>
-              <a:t>10/10/14</a:t>
+              <a:t>10/14/14</a:t>
             </a:fld>
             <a:endParaRPr lang="en-US"/>
           </a:p>
@@ -3171,7 +3171,7 @@
           <a:p>
             <a:fld id="{0675A308-8787-9B42-956E-CA40C2F0F6AE}" type="datetimeFigureOut">
               <a:rPr lang="en-US" smtClean="0"/>
-              <a:t>10/10/14</a:t>
+              <a:t>10/14/14</a:t>
             </a:fld>
             <a:endParaRPr lang="en-US"/>
           </a:p>
@@ -3827,15 +3827,7 @@
             <a:pPr lvl="1"/>
             <a:r>
               <a:rPr lang="en-US" dirty="0" smtClean="0"/>
-              <a:t>You need to </a:t>
-            </a:r>
-            <a:r>
-              <a:rPr lang="en-US" dirty="0" smtClean="0"/>
-              <a:t>add about </a:t>
-            </a:r>
-            <a:r>
-              <a:rPr lang="en-US" dirty="0" smtClean="0"/>
-              <a:t>0.3 mm to the desired, plated internal diameter to get the drill diameter</a:t>
+              <a:t>You need to add about 0.3 mm to the desired, plated internal diameter to get the drill diameter</a:t>
             </a:r>
           </a:p>
           <a:p>
@@ -4454,11 +4446,7 @@
             <a:pPr lvl="1"/>
             <a:r>
               <a:rPr lang="en-US" dirty="0" smtClean="0"/>
-              <a:t>Keep an eye on your units</a:t>
-            </a:r>
-            <a:r>
-              <a:rPr lang="en-US" dirty="0" smtClean="0"/>
-              <a:t>.</a:t>
+              <a:t>Keep an eye on your units.</a:t>
             </a:r>
           </a:p>
           <a:p>
